--- a/tech-lunch.pptx
+++ b/tech-lunch.pptx
@@ -119,6 +119,11 @@
       </a:defRPr>
     </a:lvl9pPr>
   </p:defaultTextStyle>
+  <p:extLst>
+    <p:ext uri="{EFAFB233-063F-42B5-8137-9DF3F51BA10A}">
+      <p15:sldGuideLst xmlns:p15="http://schemas.microsoft.com/office/powerpoint/2012/main"/>
+    </p:ext>
+  </p:extLst>
 </p:presentation>
 </file>
 
@@ -269,7 +274,7 @@
           <a:p>
             <a:fld id="{58342748-BA7D-4DEE-8948-D21849AAA392}" type="datetimeFigureOut">
               <a:rPr lang="nb-NO" smtClean="0"/>
-              <a:t>01.04.2020</a:t>
+              <a:t>02.04.2020</a:t>
             </a:fld>
             <a:endParaRPr lang="nb-NO"/>
           </a:p>
@@ -467,7 +472,7 @@
           <a:p>
             <a:fld id="{58342748-BA7D-4DEE-8948-D21849AAA392}" type="datetimeFigureOut">
               <a:rPr lang="nb-NO" smtClean="0"/>
-              <a:t>01.04.2020</a:t>
+              <a:t>02.04.2020</a:t>
             </a:fld>
             <a:endParaRPr lang="nb-NO"/>
           </a:p>
@@ -675,7 +680,7 @@
           <a:p>
             <a:fld id="{58342748-BA7D-4DEE-8948-D21849AAA392}" type="datetimeFigureOut">
               <a:rPr lang="nb-NO" smtClean="0"/>
-              <a:t>01.04.2020</a:t>
+              <a:t>02.04.2020</a:t>
             </a:fld>
             <a:endParaRPr lang="nb-NO"/>
           </a:p>
@@ -873,7 +878,7 @@
           <a:p>
             <a:fld id="{58342748-BA7D-4DEE-8948-D21849AAA392}" type="datetimeFigureOut">
               <a:rPr lang="nb-NO" smtClean="0"/>
-              <a:t>01.04.2020</a:t>
+              <a:t>02.04.2020</a:t>
             </a:fld>
             <a:endParaRPr lang="nb-NO"/>
           </a:p>
@@ -1148,7 +1153,7 @@
           <a:p>
             <a:fld id="{58342748-BA7D-4DEE-8948-D21849AAA392}" type="datetimeFigureOut">
               <a:rPr lang="nb-NO" smtClean="0"/>
-              <a:t>01.04.2020</a:t>
+              <a:t>02.04.2020</a:t>
             </a:fld>
             <a:endParaRPr lang="nb-NO"/>
           </a:p>
@@ -1413,7 +1418,7 @@
           <a:p>
             <a:fld id="{58342748-BA7D-4DEE-8948-D21849AAA392}" type="datetimeFigureOut">
               <a:rPr lang="nb-NO" smtClean="0"/>
-              <a:t>01.04.2020</a:t>
+              <a:t>02.04.2020</a:t>
             </a:fld>
             <a:endParaRPr lang="nb-NO"/>
           </a:p>
@@ -1825,7 +1830,7 @@
           <a:p>
             <a:fld id="{58342748-BA7D-4DEE-8948-D21849AAA392}" type="datetimeFigureOut">
               <a:rPr lang="nb-NO" smtClean="0"/>
-              <a:t>01.04.2020</a:t>
+              <a:t>02.04.2020</a:t>
             </a:fld>
             <a:endParaRPr lang="nb-NO"/>
           </a:p>
@@ -1966,7 +1971,7 @@
           <a:p>
             <a:fld id="{58342748-BA7D-4DEE-8948-D21849AAA392}" type="datetimeFigureOut">
               <a:rPr lang="nb-NO" smtClean="0"/>
-              <a:t>01.04.2020</a:t>
+              <a:t>02.04.2020</a:t>
             </a:fld>
             <a:endParaRPr lang="nb-NO"/>
           </a:p>
@@ -2079,7 +2084,7 @@
           <a:p>
             <a:fld id="{58342748-BA7D-4DEE-8948-D21849AAA392}" type="datetimeFigureOut">
               <a:rPr lang="nb-NO" smtClean="0"/>
-              <a:t>01.04.2020</a:t>
+              <a:t>02.04.2020</a:t>
             </a:fld>
             <a:endParaRPr lang="nb-NO"/>
           </a:p>
@@ -2390,7 +2395,7 @@
           <a:p>
             <a:fld id="{58342748-BA7D-4DEE-8948-D21849AAA392}" type="datetimeFigureOut">
               <a:rPr lang="nb-NO" smtClean="0"/>
-              <a:t>01.04.2020</a:t>
+              <a:t>02.04.2020</a:t>
             </a:fld>
             <a:endParaRPr lang="nb-NO"/>
           </a:p>
@@ -2678,7 +2683,7 @@
           <a:p>
             <a:fld id="{58342748-BA7D-4DEE-8948-D21849AAA392}" type="datetimeFigureOut">
               <a:rPr lang="nb-NO" smtClean="0"/>
-              <a:t>01.04.2020</a:t>
+              <a:t>02.04.2020</a:t>
             </a:fld>
             <a:endParaRPr lang="nb-NO"/>
           </a:p>
@@ -2919,7 +2924,7 @@
           <a:p>
             <a:fld id="{58342748-BA7D-4DEE-8948-D21849AAA392}" type="datetimeFigureOut">
               <a:rPr lang="nb-NO" smtClean="0"/>
-              <a:t>01.04.2020</a:t>
+              <a:t>02.04.2020</a:t>
             </a:fld>
             <a:endParaRPr lang="nb-NO"/>
           </a:p>
@@ -4750,6 +4755,86 @@
           </a:prstGeom>
         </p:spPr>
       </p:pic>
+      <p:sp>
+        <p:nvSpPr>
+          <p:cNvPr id="5" name="TekstSylinder 4">
+            <a:extLst>
+              <a:ext uri="{FF2B5EF4-FFF2-40B4-BE49-F238E27FC236}">
+                <a16:creationId xmlns:a16="http://schemas.microsoft.com/office/drawing/2014/main" id="{11DDDC20-D847-4441-9531-E42070B24164}"/>
+              </a:ext>
+            </a:extLst>
+          </p:cNvPr>
+          <p:cNvSpPr txBox="1"/>
+          <p:nvPr/>
+        </p:nvSpPr>
+        <p:spPr>
+          <a:xfrm>
+            <a:off x="5570290" y="2092764"/>
+            <a:ext cx="3875714" cy="646331"/>
+          </a:xfrm>
+          <a:prstGeom prst="rect">
+            <a:avLst/>
+          </a:prstGeom>
+          <a:noFill/>
+        </p:spPr>
+        <p:txBody>
+          <a:bodyPr wrap="square" rtlCol="0">
+            <a:spAutoFit/>
+          </a:bodyPr>
+          <a:lstStyle/>
+          <a:p>
+            <a:r>
+              <a:rPr lang="nb-NO" dirty="0"/>
+              <a:t>Faster, </a:t>
+            </a:r>
+            <a:r>
+              <a:rPr lang="nb-NO" sz="1200" dirty="0" err="1"/>
+              <a:t>smaller</a:t>
+            </a:r>
+            <a:r>
+              <a:rPr lang="nb-NO" dirty="0"/>
+              <a:t>, more </a:t>
+            </a:r>
+            <a:r>
+              <a:rPr lang="nb-NO" dirty="0" err="1"/>
+              <a:t>maintanable</a:t>
+            </a:r>
+            <a:r>
+              <a:rPr lang="nb-NO" dirty="0"/>
+              <a:t>, </a:t>
+            </a:r>
+            <a:r>
+              <a:rPr lang="nb-NO" dirty="0" err="1"/>
+              <a:t>easier</a:t>
+            </a:r>
+            <a:r>
+              <a:rPr lang="nb-NO" dirty="0"/>
+              <a:t> to target native. Make </a:t>
+            </a:r>
+            <a:r>
+              <a:rPr lang="nb-NO" b="1" dirty="0" err="1"/>
+              <a:t>your</a:t>
+            </a:r>
+            <a:r>
+              <a:rPr lang="nb-NO" dirty="0"/>
+              <a:t> </a:t>
+            </a:r>
+            <a:r>
+              <a:rPr lang="nb-NO" dirty="0" err="1"/>
+              <a:t>life</a:t>
+            </a:r>
+            <a:r>
+              <a:rPr lang="nb-NO" dirty="0"/>
+              <a:t> </a:t>
+            </a:r>
+            <a:r>
+              <a:rPr lang="nb-NO" dirty="0" err="1"/>
+              <a:t>easier</a:t>
+            </a:r>
+            <a:endParaRPr lang="nb-NO" dirty="0"/>
+          </a:p>
+        </p:txBody>
+      </p:sp>
     </p:spTree>
     <p:extLst>
       <p:ext uri="{BB962C8B-B14F-4D97-AF65-F5344CB8AC3E}">
